--- a/02_working/08_Bayesian/Bayesian_ch17_kajihara.pptx
+++ b/02_working/08_Bayesian/Bayesian_ch17_kajihara.pptx
@@ -35,7 +35,7 @@
     <p:sldId id="336" r:id="rId23"/>
   </p:sldIdLst>
   <p:sldSz cx="9144000" cy="6858000" type="screen4x3"/>
-  <p:notesSz cx="6858000" cy="9144000"/>
+  <p:notesSz cx="7104063" cy="10234613"/>
   <p:defaultTextStyle>
     <a:defPPr>
       <a:defRPr lang="ja-JP"/>
@@ -183,17 +183,17 @@
         <p:spPr>
           <a:xfrm>
             <a:off x="0" y="0"/>
-            <a:ext cx="2971800" cy="458788"/>
+            <a:ext cx="3078427" cy="513508"/>
           </a:xfrm>
           <a:prstGeom prst="rect">
             <a:avLst/>
           </a:prstGeom>
         </p:spPr>
         <p:txBody>
-          <a:bodyPr vert="horz" lIns="91440" tIns="45720" rIns="91440" bIns="45720" rtlCol="0"/>
+          <a:bodyPr vert="horz" lIns="99075" tIns="49538" rIns="99075" bIns="49538" rtlCol="0"/>
           <a:lstStyle>
             <a:lvl1pPr algn="l">
-              <a:defRPr sz="1200"/>
+              <a:defRPr sz="1300"/>
             </a:lvl1pPr>
           </a:lstStyle>
           <a:p>
@@ -219,24 +219,24 @@
         </p:nvSpPr>
         <p:spPr>
           <a:xfrm>
-            <a:off x="3884613" y="0"/>
-            <a:ext cx="2971800" cy="458788"/>
+            <a:off x="4023992" y="0"/>
+            <a:ext cx="3078427" cy="513508"/>
           </a:xfrm>
           <a:prstGeom prst="rect">
             <a:avLst/>
           </a:prstGeom>
         </p:spPr>
         <p:txBody>
-          <a:bodyPr vert="horz" lIns="91440" tIns="45720" rIns="91440" bIns="45720" rtlCol="0"/>
+          <a:bodyPr vert="horz" lIns="99075" tIns="49538" rIns="99075" bIns="49538" rtlCol="0"/>
           <a:lstStyle>
             <a:lvl1pPr algn="r">
-              <a:defRPr sz="1200"/>
+              <a:defRPr sz="1300"/>
             </a:lvl1pPr>
           </a:lstStyle>
           <a:p>
             <a:fld id="{616ACBB8-6D49-4BDE-88BE-8F4246F050A3}" type="datetimeFigureOut">
               <a:rPr kumimoji="1" lang="ja-JP" altLang="en-US" smtClean="0"/>
-              <a:t>2018/6/25</a:t>
+              <a:t>2018/6/26</a:t>
             </a:fld>
             <a:endParaRPr kumimoji="1" lang="ja-JP" altLang="en-US"/>
           </a:p>
@@ -260,18 +260,18 @@
         </p:nvSpPr>
         <p:spPr>
           <a:xfrm>
-            <a:off x="0" y="8685213"/>
-            <a:ext cx="2971800" cy="458787"/>
+            <a:off x="0" y="9721107"/>
+            <a:ext cx="3078427" cy="513507"/>
           </a:xfrm>
           <a:prstGeom prst="rect">
             <a:avLst/>
           </a:prstGeom>
         </p:spPr>
         <p:txBody>
-          <a:bodyPr vert="horz" lIns="91440" tIns="45720" rIns="91440" bIns="45720" rtlCol="0" anchor="b"/>
+          <a:bodyPr vert="horz" lIns="99075" tIns="49538" rIns="99075" bIns="49538" rtlCol="0" anchor="b"/>
           <a:lstStyle>
             <a:lvl1pPr algn="l">
-              <a:defRPr sz="1200"/>
+              <a:defRPr sz="1300"/>
             </a:lvl1pPr>
           </a:lstStyle>
           <a:p>
@@ -297,18 +297,18 @@
         </p:nvSpPr>
         <p:spPr>
           <a:xfrm>
-            <a:off x="3884613" y="8685213"/>
-            <a:ext cx="2971800" cy="458787"/>
+            <a:off x="4023992" y="9721107"/>
+            <a:ext cx="3078427" cy="513507"/>
           </a:xfrm>
           <a:prstGeom prst="rect">
             <a:avLst/>
           </a:prstGeom>
         </p:spPr>
         <p:txBody>
-          <a:bodyPr vert="horz" lIns="91440" tIns="45720" rIns="91440" bIns="45720" rtlCol="0" anchor="b"/>
+          <a:bodyPr vert="horz" lIns="99075" tIns="49538" rIns="99075" bIns="49538" rtlCol="0" anchor="b"/>
           <a:lstStyle>
             <a:lvl1pPr algn="r">
-              <a:defRPr sz="1200"/>
+              <a:defRPr sz="1300"/>
             </a:lvl1pPr>
           </a:lstStyle>
           <a:p>
@@ -366,17 +366,17 @@
         <p:spPr>
           <a:xfrm>
             <a:off x="0" y="0"/>
-            <a:ext cx="2971800" cy="458788"/>
+            <a:ext cx="3078427" cy="513508"/>
           </a:xfrm>
           <a:prstGeom prst="rect">
             <a:avLst/>
           </a:prstGeom>
         </p:spPr>
         <p:txBody>
-          <a:bodyPr vert="horz" lIns="91440" tIns="45720" rIns="91440" bIns="45720" rtlCol="0"/>
+          <a:bodyPr vert="horz" lIns="99075" tIns="49538" rIns="99075" bIns="49538" rtlCol="0"/>
           <a:lstStyle>
             <a:lvl1pPr algn="l">
-              <a:defRPr sz="1200"/>
+              <a:defRPr sz="1300"/>
             </a:lvl1pPr>
           </a:lstStyle>
           <a:p>
@@ -396,24 +396,24 @@
         </p:nvSpPr>
         <p:spPr>
           <a:xfrm>
-            <a:off x="3884613" y="0"/>
-            <a:ext cx="2971800" cy="458788"/>
+            <a:off x="4023992" y="0"/>
+            <a:ext cx="3078427" cy="513508"/>
           </a:xfrm>
           <a:prstGeom prst="rect">
             <a:avLst/>
           </a:prstGeom>
         </p:spPr>
         <p:txBody>
-          <a:bodyPr vert="horz" lIns="91440" tIns="45720" rIns="91440" bIns="45720" rtlCol="0"/>
+          <a:bodyPr vert="horz" lIns="99075" tIns="49538" rIns="99075" bIns="49538" rtlCol="0"/>
           <a:lstStyle>
             <a:lvl1pPr algn="r">
-              <a:defRPr sz="1200"/>
+              <a:defRPr sz="1300"/>
             </a:lvl1pPr>
           </a:lstStyle>
           <a:p>
             <a:fld id="{11678B78-3E32-4FB7-852C-6FB35C379A2B}" type="datetimeFigureOut">
               <a:rPr kumimoji="1" lang="ja-JP" altLang="en-US" smtClean="0"/>
-              <a:t>2018/6/25</a:t>
+              <a:t>2018/6/26</a:t>
             </a:fld>
             <a:endParaRPr kumimoji="1" lang="ja-JP" altLang="en-US"/>
           </a:p>
@@ -431,8 +431,8 @@
         </p:nvSpPr>
         <p:spPr>
           <a:xfrm>
-            <a:off x="1371600" y="1143000"/>
-            <a:ext cx="4114800" cy="3086100"/>
+            <a:off x="1249363" y="1279525"/>
+            <a:ext cx="4605337" cy="3454400"/>
           </a:xfrm>
           <a:prstGeom prst="rect">
             <a:avLst/>
@@ -445,7 +445,7 @@
           </a:ln>
         </p:spPr>
         <p:txBody>
-          <a:bodyPr vert="horz" lIns="91440" tIns="45720" rIns="91440" bIns="45720" rtlCol="0" anchor="ctr"/>
+          <a:bodyPr vert="horz" lIns="99075" tIns="49538" rIns="99075" bIns="49538" rtlCol="0" anchor="ctr"/>
           <a:lstStyle/>
           <a:p>
             <a:endParaRPr lang="ja-JP" altLang="en-US"/>
@@ -464,15 +464,15 @@
         </p:nvSpPr>
         <p:spPr>
           <a:xfrm>
-            <a:off x="685800" y="4400550"/>
-            <a:ext cx="5486400" cy="3600450"/>
+            <a:off x="710407" y="4925407"/>
+            <a:ext cx="5683250" cy="4029879"/>
           </a:xfrm>
           <a:prstGeom prst="rect">
             <a:avLst/>
           </a:prstGeom>
         </p:spPr>
         <p:txBody>
-          <a:bodyPr vert="horz" lIns="91440" tIns="45720" rIns="91440" bIns="45720" rtlCol="0"/>
+          <a:bodyPr vert="horz" lIns="99075" tIns="49538" rIns="99075" bIns="49538" rtlCol="0"/>
           <a:lstStyle/>
           <a:p>
             <a:pPr lvl="0"/>
@@ -555,18 +555,18 @@
         </p:nvSpPr>
         <p:spPr>
           <a:xfrm>
-            <a:off x="0" y="8685213"/>
-            <a:ext cx="2971800" cy="458787"/>
+            <a:off x="0" y="9721107"/>
+            <a:ext cx="3078427" cy="513507"/>
           </a:xfrm>
           <a:prstGeom prst="rect">
             <a:avLst/>
           </a:prstGeom>
         </p:spPr>
         <p:txBody>
-          <a:bodyPr vert="horz" lIns="91440" tIns="45720" rIns="91440" bIns="45720" rtlCol="0" anchor="b"/>
+          <a:bodyPr vert="horz" lIns="99075" tIns="49538" rIns="99075" bIns="49538" rtlCol="0" anchor="b"/>
           <a:lstStyle>
             <a:lvl1pPr algn="l">
-              <a:defRPr sz="1200"/>
+              <a:defRPr sz="1300"/>
             </a:lvl1pPr>
           </a:lstStyle>
           <a:p>
@@ -586,18 +586,18 @@
         </p:nvSpPr>
         <p:spPr>
           <a:xfrm>
-            <a:off x="3884613" y="8685213"/>
-            <a:ext cx="2971800" cy="458787"/>
+            <a:off x="4023992" y="9721107"/>
+            <a:ext cx="3078427" cy="513507"/>
           </a:xfrm>
           <a:prstGeom prst="rect">
             <a:avLst/>
           </a:prstGeom>
         </p:spPr>
         <p:txBody>
-          <a:bodyPr vert="horz" lIns="91440" tIns="45720" rIns="91440" bIns="45720" rtlCol="0" anchor="b"/>
+          <a:bodyPr vert="horz" lIns="99075" tIns="49538" rIns="99075" bIns="49538" rtlCol="0" anchor="b"/>
           <a:lstStyle>
             <a:lvl1pPr algn="r">
-              <a:defRPr sz="1200"/>
+              <a:defRPr sz="1300"/>
             </a:lvl1pPr>
           </a:lstStyle>
           <a:p>
@@ -2707,7 +2707,7 @@
           <a:p>
             <a:fld id="{D1444EEF-10C0-4763-8A6D-09C03F914823}" type="datetimeFigureOut">
               <a:rPr kumimoji="1" lang="ja-JP" altLang="en-US" smtClean="0"/>
-              <a:t>2018/6/25</a:t>
+              <a:t>2018/6/26</a:t>
             </a:fld>
             <a:endParaRPr kumimoji="1" lang="ja-JP" altLang="en-US"/>
           </a:p>
@@ -2937,7 +2937,7 @@
           <a:p>
             <a:fld id="{D1444EEF-10C0-4763-8A6D-09C03F914823}" type="datetimeFigureOut">
               <a:rPr kumimoji="1" lang="ja-JP" altLang="en-US" smtClean="0"/>
-              <a:t>2018/6/25</a:t>
+              <a:t>2018/6/26</a:t>
             </a:fld>
             <a:endParaRPr kumimoji="1" lang="ja-JP" altLang="en-US"/>
           </a:p>
@@ -3177,7 +3177,7 @@
           <a:p>
             <a:fld id="{D1444EEF-10C0-4763-8A6D-09C03F914823}" type="datetimeFigureOut">
               <a:rPr kumimoji="1" lang="ja-JP" altLang="en-US" smtClean="0"/>
-              <a:t>2018/6/25</a:t>
+              <a:t>2018/6/26</a:t>
             </a:fld>
             <a:endParaRPr kumimoji="1" lang="ja-JP" altLang="en-US"/>
           </a:p>
@@ -3413,7 +3413,7 @@
           <a:p>
             <a:fld id="{D1444EEF-10C0-4763-8A6D-09C03F914823}" type="datetimeFigureOut">
               <a:rPr kumimoji="1" lang="ja-JP" altLang="en-US" smtClean="0"/>
-              <a:t>2018/6/25</a:t>
+              <a:t>2018/6/26</a:t>
             </a:fld>
             <a:endParaRPr kumimoji="1" lang="ja-JP" altLang="en-US"/>
           </a:p>
@@ -3688,7 +3688,7 @@
           <a:p>
             <a:fld id="{D1444EEF-10C0-4763-8A6D-09C03F914823}" type="datetimeFigureOut">
               <a:rPr kumimoji="1" lang="ja-JP" altLang="en-US" smtClean="0"/>
-              <a:t>2018/6/25</a:t>
+              <a:t>2018/6/26</a:t>
             </a:fld>
             <a:endParaRPr kumimoji="1" lang="ja-JP" altLang="en-US"/>
           </a:p>
@@ -4017,7 +4017,7 @@
           <a:p>
             <a:fld id="{D1444EEF-10C0-4763-8A6D-09C03F914823}" type="datetimeFigureOut">
               <a:rPr kumimoji="1" lang="ja-JP" altLang="en-US" smtClean="0"/>
-              <a:t>2018/6/25</a:t>
+              <a:t>2018/6/26</a:t>
             </a:fld>
             <a:endParaRPr kumimoji="1" lang="ja-JP" altLang="en-US"/>
           </a:p>
@@ -4493,7 +4493,7 @@
           <a:p>
             <a:fld id="{D1444EEF-10C0-4763-8A6D-09C03F914823}" type="datetimeFigureOut">
               <a:rPr kumimoji="1" lang="ja-JP" altLang="en-US" smtClean="0"/>
-              <a:t>2018/6/25</a:t>
+              <a:t>2018/6/26</a:t>
             </a:fld>
             <a:endParaRPr kumimoji="1" lang="ja-JP" altLang="en-US"/>
           </a:p>
@@ -4634,7 +4634,7 @@
           <a:p>
             <a:fld id="{D1444EEF-10C0-4763-8A6D-09C03F914823}" type="datetimeFigureOut">
               <a:rPr kumimoji="1" lang="ja-JP" altLang="en-US" smtClean="0"/>
-              <a:t>2018/6/25</a:t>
+              <a:t>2018/6/26</a:t>
             </a:fld>
             <a:endParaRPr kumimoji="1" lang="ja-JP" altLang="en-US"/>
           </a:p>
@@ -4747,7 +4747,7 @@
           <a:p>
             <a:fld id="{D1444EEF-10C0-4763-8A6D-09C03F914823}" type="datetimeFigureOut">
               <a:rPr kumimoji="1" lang="ja-JP" altLang="en-US" smtClean="0"/>
-              <a:t>2018/6/25</a:t>
+              <a:t>2018/6/26</a:t>
             </a:fld>
             <a:endParaRPr kumimoji="1" lang="ja-JP" altLang="en-US"/>
           </a:p>
@@ -5090,7 +5090,7 @@
           <a:p>
             <a:fld id="{D1444EEF-10C0-4763-8A6D-09C03F914823}" type="datetimeFigureOut">
               <a:rPr kumimoji="1" lang="ja-JP" altLang="en-US" smtClean="0"/>
-              <a:t>2018/6/25</a:t>
+              <a:t>2018/6/26</a:t>
             </a:fld>
             <a:endParaRPr kumimoji="1" lang="ja-JP" altLang="en-US"/>
           </a:p>
@@ -5378,7 +5378,7 @@
           <a:p>
             <a:fld id="{D1444EEF-10C0-4763-8A6D-09C03F914823}" type="datetimeFigureOut">
               <a:rPr kumimoji="1" lang="ja-JP" altLang="en-US" smtClean="0"/>
-              <a:t>2018/6/25</a:t>
+              <a:t>2018/6/26</a:t>
             </a:fld>
             <a:endParaRPr kumimoji="1" lang="ja-JP" altLang="en-US"/>
           </a:p>
@@ -5651,7 +5651,7 @@
           <a:p>
             <a:fld id="{D1444EEF-10C0-4763-8A6D-09C03F914823}" type="datetimeFigureOut">
               <a:rPr kumimoji="1" lang="ja-JP" altLang="en-US" smtClean="0"/>
-              <a:t>2018/6/25</a:t>
+              <a:t>2018/6/26</a:t>
             </a:fld>
             <a:endParaRPr kumimoji="1" lang="ja-JP" altLang="en-US"/>
           </a:p>
@@ -13967,7 +13967,7 @@
                   <a:schemeClr val="tx2"/>
                 </a:solidFill>
               </a:rPr>
-              <a:t>the most of the data for large </a:t>
+              <a:t>Most of the data for large </a:t>
             </a:r>
           </a:p>
           <a:p>
@@ -19803,7 +19803,7 @@
                   <a:schemeClr val="tx2"/>
                 </a:solidFill>
               </a:rPr>
-              <a:t>Outline</a:t>
+              <a:t>Structure</a:t>
             </a:r>
             <a:r>
               <a:rPr lang="en-US" altLang="ja-JP" sz="2400" dirty="0">

--- a/02_working/08_Bayesian/Bayesian_ch17_kajihara.pptx
+++ b/02_working/08_Bayesian/Bayesian_ch17_kajihara.pptx
@@ -5,10 +5,10 @@
     <p:sldMasterId id="2147483684" r:id="rId1"/>
   </p:sldMasterIdLst>
   <p:notesMasterIdLst>
-    <p:notesMasterId r:id="rId24"/>
+    <p:notesMasterId r:id="rId23"/>
   </p:notesMasterIdLst>
   <p:handoutMasterIdLst>
-    <p:handoutMasterId r:id="rId25"/>
+    <p:handoutMasterId r:id="rId24"/>
   </p:handoutMasterIdLst>
   <p:sldIdLst>
     <p:sldId id="256" r:id="rId2"/>
@@ -32,7 +32,6 @@
     <p:sldId id="333" r:id="rId20"/>
     <p:sldId id="334" r:id="rId21"/>
     <p:sldId id="335" r:id="rId22"/>
-    <p:sldId id="336" r:id="rId23"/>
   </p:sldIdLst>
   <p:sldSz cx="9144000" cy="6858000" type="screen4x3"/>
   <p:notesSz cx="7104063" cy="10234613"/>
@@ -236,7 +235,7 @@
           <a:p>
             <a:fld id="{616ACBB8-6D49-4BDE-88BE-8F4246F050A3}" type="datetimeFigureOut">
               <a:rPr kumimoji="1" lang="ja-JP" altLang="en-US" smtClean="0"/>
-              <a:t>2018/6/26</a:t>
+              <a:t>2018/7/2</a:t>
             </a:fld>
             <a:endParaRPr kumimoji="1" lang="ja-JP" altLang="en-US"/>
           </a:p>
@@ -413,7 +412,7 @@
           <a:p>
             <a:fld id="{11678B78-3E32-4FB7-852C-6FB35C379A2B}" type="datetimeFigureOut">
               <a:rPr kumimoji="1" lang="ja-JP" altLang="en-US" smtClean="0"/>
-              <a:t>2018/6/26</a:t>
+              <a:t>2018/7/2</a:t>
             </a:fld>
             <a:endParaRPr kumimoji="1" lang="ja-JP" altLang="en-US"/>
           </a:p>
@@ -1888,90 +1887,6 @@
 </p:notes>
 </file>
 
-<file path=ppt/notesSlides/notesSlide22.xml><?xml version="1.0" encoding="utf-8"?>
-<p:notes xmlns:a="http://schemas.openxmlformats.org/drawingml/2006/main" xmlns:r="http://schemas.openxmlformats.org/officeDocument/2006/relationships" xmlns:p="http://schemas.openxmlformats.org/presentationml/2006/main">
-  <p:cSld>
-    <p:spTree>
-      <p:nvGrpSpPr>
-        <p:cNvPr id="1" name=""/>
-        <p:cNvGrpSpPr/>
-        <p:nvPr/>
-      </p:nvGrpSpPr>
-      <p:grpSpPr>
-        <a:xfrm>
-          <a:off x="0" y="0"/>
-          <a:ext cx="0" cy="0"/>
-          <a:chOff x="0" y="0"/>
-          <a:chExt cx="0" cy="0"/>
-        </a:xfrm>
-      </p:grpSpPr>
-      <p:sp>
-        <p:nvSpPr>
-          <p:cNvPr id="2" name="スライド イメージ プレースホルダー 1"/>
-          <p:cNvSpPr>
-            <a:spLocks noGrp="1" noRot="1" noChangeAspect="1"/>
-          </p:cNvSpPr>
-          <p:nvPr>
-            <p:ph type="sldImg"/>
-          </p:nvPr>
-        </p:nvSpPr>
-        <p:spPr/>
-      </p:sp>
-      <p:sp>
-        <p:nvSpPr>
-          <p:cNvPr id="3" name="ノート プレースホルダー 2"/>
-          <p:cNvSpPr>
-            <a:spLocks noGrp="1"/>
-          </p:cNvSpPr>
-          <p:nvPr>
-            <p:ph type="body" idx="1"/>
-          </p:nvPr>
-        </p:nvSpPr>
-        <p:spPr/>
-        <p:txBody>
-          <a:bodyPr/>
-          <a:lstStyle/>
-          <a:p>
-            <a:endParaRPr kumimoji="1" lang="ja-JP" altLang="en-US" dirty="0"/>
-          </a:p>
-        </p:txBody>
-      </p:sp>
-      <p:sp>
-        <p:nvSpPr>
-          <p:cNvPr id="4" name="スライド番号プレースホルダー 3"/>
-          <p:cNvSpPr>
-            <a:spLocks noGrp="1"/>
-          </p:cNvSpPr>
-          <p:nvPr>
-            <p:ph type="sldNum" sz="quarter" idx="10"/>
-          </p:nvPr>
-        </p:nvSpPr>
-        <p:spPr/>
-        <p:txBody>
-          <a:bodyPr/>
-          <a:lstStyle/>
-          <a:p>
-            <a:fld id="{EEE80DE6-E767-48DC-9C22-6B067B3D5A10}" type="slidenum">
-              <a:rPr kumimoji="1" lang="ja-JP" altLang="en-US" smtClean="0"/>
-              <a:t>22</a:t>
-            </a:fld>
-            <a:endParaRPr kumimoji="1" lang="ja-JP" altLang="en-US"/>
-          </a:p>
-        </p:txBody>
-      </p:sp>
-    </p:spTree>
-    <p:extLst>
-      <p:ext uri="{BB962C8B-B14F-4D97-AF65-F5344CB8AC3E}">
-        <p14:creationId xmlns:p14="http://schemas.microsoft.com/office/powerpoint/2010/main" val="1786898418"/>
-      </p:ext>
-    </p:extLst>
-  </p:cSld>
-  <p:clrMapOvr>
-    <a:masterClrMapping/>
-  </p:clrMapOvr>
-</p:notes>
-</file>
-
 <file path=ppt/notesSlides/notesSlide3.xml><?xml version="1.0" encoding="utf-8"?>
 <p:notes xmlns:a="http://schemas.openxmlformats.org/drawingml/2006/main" xmlns:r="http://schemas.openxmlformats.org/officeDocument/2006/relationships" xmlns:p="http://schemas.openxmlformats.org/presentationml/2006/main">
   <p:cSld>
@@ -2707,7 +2622,7 @@
           <a:p>
             <a:fld id="{D1444EEF-10C0-4763-8A6D-09C03F914823}" type="datetimeFigureOut">
               <a:rPr kumimoji="1" lang="ja-JP" altLang="en-US" smtClean="0"/>
-              <a:t>2018/6/26</a:t>
+              <a:t>2018/7/2</a:t>
             </a:fld>
             <a:endParaRPr kumimoji="1" lang="ja-JP" altLang="en-US"/>
           </a:p>
@@ -2937,7 +2852,7 @@
           <a:p>
             <a:fld id="{D1444EEF-10C0-4763-8A6D-09C03F914823}" type="datetimeFigureOut">
               <a:rPr kumimoji="1" lang="ja-JP" altLang="en-US" smtClean="0"/>
-              <a:t>2018/6/26</a:t>
+              <a:t>2018/7/2</a:t>
             </a:fld>
             <a:endParaRPr kumimoji="1" lang="ja-JP" altLang="en-US"/>
           </a:p>
@@ -3177,7 +3092,7 @@
           <a:p>
             <a:fld id="{D1444EEF-10C0-4763-8A6D-09C03F914823}" type="datetimeFigureOut">
               <a:rPr kumimoji="1" lang="ja-JP" altLang="en-US" smtClean="0"/>
-              <a:t>2018/6/26</a:t>
+              <a:t>2018/7/2</a:t>
             </a:fld>
             <a:endParaRPr kumimoji="1" lang="ja-JP" altLang="en-US"/>
           </a:p>
@@ -3413,7 +3328,7 @@
           <a:p>
             <a:fld id="{D1444EEF-10C0-4763-8A6D-09C03F914823}" type="datetimeFigureOut">
               <a:rPr kumimoji="1" lang="ja-JP" altLang="en-US" smtClean="0"/>
-              <a:t>2018/6/26</a:t>
+              <a:t>2018/7/2</a:t>
             </a:fld>
             <a:endParaRPr kumimoji="1" lang="ja-JP" altLang="en-US"/>
           </a:p>
@@ -3688,7 +3603,7 @@
           <a:p>
             <a:fld id="{D1444EEF-10C0-4763-8A6D-09C03F914823}" type="datetimeFigureOut">
               <a:rPr kumimoji="1" lang="ja-JP" altLang="en-US" smtClean="0"/>
-              <a:t>2018/6/26</a:t>
+              <a:t>2018/7/2</a:t>
             </a:fld>
             <a:endParaRPr kumimoji="1" lang="ja-JP" altLang="en-US"/>
           </a:p>
@@ -4017,7 +3932,7 @@
           <a:p>
             <a:fld id="{D1444EEF-10C0-4763-8A6D-09C03F914823}" type="datetimeFigureOut">
               <a:rPr kumimoji="1" lang="ja-JP" altLang="en-US" smtClean="0"/>
-              <a:t>2018/6/26</a:t>
+              <a:t>2018/7/2</a:t>
             </a:fld>
             <a:endParaRPr kumimoji="1" lang="ja-JP" altLang="en-US"/>
           </a:p>
@@ -4493,7 +4408,7 @@
           <a:p>
             <a:fld id="{D1444EEF-10C0-4763-8A6D-09C03F914823}" type="datetimeFigureOut">
               <a:rPr kumimoji="1" lang="ja-JP" altLang="en-US" smtClean="0"/>
-              <a:t>2018/6/26</a:t>
+              <a:t>2018/7/2</a:t>
             </a:fld>
             <a:endParaRPr kumimoji="1" lang="ja-JP" altLang="en-US"/>
           </a:p>
@@ -4634,7 +4549,7 @@
           <a:p>
             <a:fld id="{D1444EEF-10C0-4763-8A6D-09C03F914823}" type="datetimeFigureOut">
               <a:rPr kumimoji="1" lang="ja-JP" altLang="en-US" smtClean="0"/>
-              <a:t>2018/6/26</a:t>
+              <a:t>2018/7/2</a:t>
             </a:fld>
             <a:endParaRPr kumimoji="1" lang="ja-JP" altLang="en-US"/>
           </a:p>
@@ -4747,7 +4662,7 @@
           <a:p>
             <a:fld id="{D1444EEF-10C0-4763-8A6D-09C03F914823}" type="datetimeFigureOut">
               <a:rPr kumimoji="1" lang="ja-JP" altLang="en-US" smtClean="0"/>
-              <a:t>2018/6/26</a:t>
+              <a:t>2018/7/2</a:t>
             </a:fld>
             <a:endParaRPr kumimoji="1" lang="ja-JP" altLang="en-US"/>
           </a:p>
@@ -5090,7 +5005,7 @@
           <a:p>
             <a:fld id="{D1444EEF-10C0-4763-8A6D-09C03F914823}" type="datetimeFigureOut">
               <a:rPr kumimoji="1" lang="ja-JP" altLang="en-US" smtClean="0"/>
-              <a:t>2018/6/26</a:t>
+              <a:t>2018/7/2</a:t>
             </a:fld>
             <a:endParaRPr kumimoji="1" lang="ja-JP" altLang="en-US"/>
           </a:p>
@@ -5378,7 +5293,7 @@
           <a:p>
             <a:fld id="{D1444EEF-10C0-4763-8A6D-09C03F914823}" type="datetimeFigureOut">
               <a:rPr kumimoji="1" lang="ja-JP" altLang="en-US" smtClean="0"/>
-              <a:t>2018/6/26</a:t>
+              <a:t>2018/7/2</a:t>
             </a:fld>
             <a:endParaRPr kumimoji="1" lang="ja-JP" altLang="en-US"/>
           </a:p>
@@ -5651,7 +5566,7 @@
           <a:p>
             <a:fld id="{D1444EEF-10C0-4763-8A6D-09C03F914823}" type="datetimeFigureOut">
               <a:rPr kumimoji="1" lang="ja-JP" altLang="en-US" smtClean="0"/>
-              <a:t>2018/6/26</a:t>
+              <a:t>2018/7/2</a:t>
             </a:fld>
             <a:endParaRPr kumimoji="1" lang="ja-JP" altLang="en-US"/>
           </a:p>
@@ -10128,7 +10043,7 @@
                   <a:srgbClr val="FF0000"/>
                 </a:solidFill>
               </a:rPr>
-              <a:t>: typical slope of   </a:t>
+              <a:t>: typical intercepts </a:t>
             </a:r>
           </a:p>
           <a:p>
@@ -10138,7 +10053,7 @@
                   <a:srgbClr val="FF0000"/>
                 </a:solidFill>
               </a:rPr>
-              <a:t>      </a:t>
+              <a:t>     </a:t>
             </a:r>
             <a:r>
               <a:rPr kumimoji="1" lang="en-US" altLang="ja-JP" sz="2000" b="1" dirty="0">
@@ -10146,7 +10061,7 @@
                   <a:srgbClr val="FF0000"/>
                 </a:solidFill>
               </a:rPr>
-              <a:t>th</a:t>
+              <a:t>of th</a:t>
             </a:r>
             <a:r>
               <a:rPr lang="en-US" altLang="ja-JP" sz="2000" b="1" dirty="0">
@@ -10215,7 +10130,7 @@
                   <a:srgbClr val="FF0000"/>
                 </a:solidFill>
               </a:rPr>
-              <a:t>      slopes</a:t>
+              <a:t>      intercepts</a:t>
             </a:r>
             <a:endParaRPr kumimoji="1" lang="ja-JP" altLang="en-US" sz="2000" b="1" dirty="0">
               <a:solidFill>
@@ -10283,7 +10198,7 @@
                   <a:srgbClr val="00B050"/>
                 </a:solidFill>
               </a:rPr>
-              <a:t>: typical intercepts </a:t>
+              <a:t>: typical slopes of </a:t>
             </a:r>
           </a:p>
           <a:p>
@@ -10293,7 +10208,7 @@
                   <a:srgbClr val="00B050"/>
                 </a:solidFill>
               </a:rPr>
-              <a:t>      </a:t>
+              <a:t>     </a:t>
             </a:r>
             <a:r>
               <a:rPr kumimoji="1" lang="en-US" altLang="ja-JP" sz="2000" b="1" dirty="0">
@@ -10301,7 +10216,7 @@
                   <a:srgbClr val="00B050"/>
                 </a:solidFill>
               </a:rPr>
-              <a:t>of th</a:t>
+              <a:t>th</a:t>
             </a:r>
             <a:r>
               <a:rPr lang="en-US" altLang="ja-JP" sz="2000" b="1" dirty="0">
@@ -10370,7 +10285,7 @@
                   <a:srgbClr val="00B050"/>
                 </a:solidFill>
               </a:rPr>
-              <a:t>      intercepts</a:t>
+              <a:t>      slopes</a:t>
             </a:r>
             <a:endParaRPr kumimoji="1" lang="ja-JP" altLang="en-US" sz="2000" b="1" dirty="0">
               <a:solidFill>
@@ -18433,797 +18348,6 @@
     <p:extLst>
       <p:ext uri="{BB962C8B-B14F-4D97-AF65-F5344CB8AC3E}">
         <p14:creationId xmlns:p14="http://schemas.microsoft.com/office/powerpoint/2010/main" val="256938209"/>
-      </p:ext>
-    </p:extLst>
-  </p:cSld>
-  <p:clrMapOvr>
-    <a:masterClrMapping/>
-  </p:clrMapOvr>
-</p:sld>
-</file>
-
-<file path=ppt/slides/slide22.xml><?xml version="1.0" encoding="utf-8"?>
-<p:sld xmlns:a="http://schemas.openxmlformats.org/drawingml/2006/main" xmlns:r="http://schemas.openxmlformats.org/officeDocument/2006/relationships" xmlns:p="http://schemas.openxmlformats.org/presentationml/2006/main">
-  <p:cSld>
-    <p:spTree>
-      <p:nvGrpSpPr>
-        <p:cNvPr id="1" name=""/>
-        <p:cNvGrpSpPr/>
-        <p:nvPr/>
-      </p:nvGrpSpPr>
-      <p:grpSpPr>
-        <a:xfrm>
-          <a:off x="0" y="0"/>
-          <a:ext cx="0" cy="0"/>
-          <a:chOff x="0" y="0"/>
-          <a:chExt cx="0" cy="0"/>
-        </a:xfrm>
-      </p:grpSpPr>
-      <p:sp>
-        <p:nvSpPr>
-          <p:cNvPr id="4" name="正方形/長方形 3">
-            <a:extLst>
-              <a:ext uri="{FF2B5EF4-FFF2-40B4-BE49-F238E27FC236}">
-                <a16:creationId xmlns:a16="http://schemas.microsoft.com/office/drawing/2014/main" id="{D203369B-678B-406C-AC17-D2EC7810AA72}"/>
-              </a:ext>
-            </a:extLst>
-          </p:cNvPr>
-          <p:cNvSpPr/>
-          <p:nvPr/>
-        </p:nvSpPr>
-        <p:spPr>
-          <a:xfrm>
-            <a:off x="0" y="0"/>
-            <a:ext cx="9144000" cy="893135"/>
-          </a:xfrm>
-          <a:prstGeom prst="rect">
-            <a:avLst/>
-          </a:prstGeom>
-        </p:spPr>
-        <p:style>
-          <a:lnRef idx="0">
-            <a:schemeClr val="accent1"/>
-          </a:lnRef>
-          <a:fillRef idx="3">
-            <a:schemeClr val="accent1"/>
-          </a:fillRef>
-          <a:effectRef idx="3">
-            <a:schemeClr val="accent1"/>
-          </a:effectRef>
-          <a:fontRef idx="minor">
-            <a:schemeClr val="lt1"/>
-          </a:fontRef>
-        </p:style>
-        <p:txBody>
-          <a:bodyPr rtlCol="0" anchor="ctr"/>
-          <a:lstStyle/>
-          <a:p>
-            <a:r>
-              <a:rPr kumimoji="1" lang="ja-JP" altLang="en-US" sz="2800" b="1" dirty="0"/>
-              <a:t>　</a:t>
-            </a:r>
-            <a:r>
-              <a:rPr lang="en-US" altLang="ja-JP" sz="2800" b="1" dirty="0"/>
-              <a:t>Contents</a:t>
-            </a:r>
-            <a:endParaRPr kumimoji="1" lang="ja-JP" altLang="en-US" sz="2800" b="1" dirty="0"/>
-          </a:p>
-        </p:txBody>
-      </p:sp>
-      <p:sp>
-        <p:nvSpPr>
-          <p:cNvPr id="6" name="正方形/長方形 5">
-            <a:extLst>
-              <a:ext uri="{FF2B5EF4-FFF2-40B4-BE49-F238E27FC236}">
-                <a16:creationId xmlns:a16="http://schemas.microsoft.com/office/drawing/2014/main" id="{EEF78B70-EB29-468C-8AAC-AE4E46B7567C}"/>
-              </a:ext>
-            </a:extLst>
-          </p:cNvPr>
-          <p:cNvSpPr/>
-          <p:nvPr/>
-        </p:nvSpPr>
-        <p:spPr>
-          <a:xfrm flipV="1">
-            <a:off x="0" y="786799"/>
-            <a:ext cx="9144000" cy="106336"/>
-          </a:xfrm>
-          <a:prstGeom prst="rect">
-            <a:avLst/>
-          </a:prstGeom>
-          <a:solidFill>
-            <a:schemeClr val="accent6"/>
-          </a:solidFill>
-          <a:ln>
-            <a:noFill/>
-          </a:ln>
-        </p:spPr>
-        <p:style>
-          <a:lnRef idx="2">
-            <a:schemeClr val="accent1">
-              <a:shade val="50000"/>
-            </a:schemeClr>
-          </a:lnRef>
-          <a:fillRef idx="1">
-            <a:schemeClr val="accent1"/>
-          </a:fillRef>
-          <a:effectRef idx="0">
-            <a:schemeClr val="accent1"/>
-          </a:effectRef>
-          <a:fontRef idx="minor">
-            <a:schemeClr val="lt1"/>
-          </a:fontRef>
-        </p:style>
-        <p:txBody>
-          <a:bodyPr rtlCol="0" anchor="ctr"/>
-          <a:lstStyle/>
-          <a:p>
-            <a:pPr algn="ctr"/>
-            <a:endParaRPr kumimoji="1" lang="ja-JP" altLang="en-US"/>
-          </a:p>
-        </p:txBody>
-      </p:sp>
-      <p:sp>
-        <p:nvSpPr>
-          <p:cNvPr id="8" name="コンテンツ プレースホルダー 2">
-            <a:extLst>
-              <a:ext uri="{FF2B5EF4-FFF2-40B4-BE49-F238E27FC236}">
-                <a16:creationId xmlns:a16="http://schemas.microsoft.com/office/drawing/2014/main" id="{E3FEDA7D-F179-4F5B-AD8C-A61C51FB1758}"/>
-              </a:ext>
-            </a:extLst>
-          </p:cNvPr>
-          <p:cNvSpPr>
-            <a:spLocks noGrp="1"/>
-          </p:cNvSpPr>
-          <p:nvPr>
-            <p:ph idx="1"/>
-          </p:nvPr>
-        </p:nvSpPr>
-        <p:spPr>
-          <a:xfrm>
-            <a:off x="399998" y="1230664"/>
-            <a:ext cx="6588684" cy="5627336"/>
-          </a:xfrm>
-        </p:spPr>
-        <p:txBody>
-          <a:bodyPr>
-            <a:normAutofit/>
-          </a:bodyPr>
-          <a:lstStyle/>
-          <a:p>
-            <a:pPr marL="0" indent="0">
-              <a:lnSpc>
-                <a:spcPct val="100000"/>
-              </a:lnSpc>
-              <a:buNone/>
-            </a:pPr>
-            <a:r>
-              <a:rPr lang="en-US" altLang="ja-JP" sz="2000" b="1" dirty="0">
-                <a:solidFill>
-                  <a:schemeClr val="tx2"/>
-                </a:solidFill>
-              </a:rPr>
-              <a:t>Overview of Chapter17</a:t>
-            </a:r>
-          </a:p>
-          <a:p>
-            <a:pPr marL="0" indent="0">
-              <a:lnSpc>
-                <a:spcPct val="100000"/>
-              </a:lnSpc>
-              <a:buNone/>
-            </a:pPr>
-            <a:r>
-              <a:rPr lang="en-US" altLang="ja-JP" sz="2000" b="1" dirty="0">
-                <a:solidFill>
-                  <a:schemeClr val="tx2"/>
-                </a:solidFill>
-              </a:rPr>
-              <a:t>17.1 Simple Linear Regression</a:t>
-            </a:r>
-          </a:p>
-          <a:p>
-            <a:pPr marL="0" indent="0">
-              <a:lnSpc>
-                <a:spcPct val="100000"/>
-              </a:lnSpc>
-              <a:buNone/>
-            </a:pPr>
-            <a:r>
-              <a:rPr lang="en-US" altLang="ja-JP" sz="2000" b="1" dirty="0">
-                <a:solidFill>
-                  <a:schemeClr val="tx2"/>
-                </a:solidFill>
-              </a:rPr>
-              <a:t>17.2 Robust Linear Regression</a:t>
-            </a:r>
-          </a:p>
-          <a:p>
-            <a:pPr marL="0" indent="0">
-              <a:lnSpc>
-                <a:spcPct val="100000"/>
-              </a:lnSpc>
-              <a:buNone/>
-            </a:pPr>
-            <a:r>
-              <a:rPr lang="en-US" altLang="ja-JP" sz="2000" b="1" dirty="0">
-                <a:solidFill>
-                  <a:schemeClr val="tx2"/>
-                </a:solidFill>
-              </a:rPr>
-              <a:t>17.3 Hierarchical Regression on Individuals Within Groups</a:t>
-            </a:r>
-          </a:p>
-          <a:p>
-            <a:pPr marL="0" indent="0">
-              <a:lnSpc>
-                <a:spcPct val="100000"/>
-              </a:lnSpc>
-              <a:buNone/>
-            </a:pPr>
-            <a:r>
-              <a:rPr lang="en-US" altLang="ja-JP" sz="2000" b="1" dirty="0">
-                <a:solidFill>
-                  <a:schemeClr val="tx2"/>
-                </a:solidFill>
-              </a:rPr>
-              <a:t>17.4 Quadratic Trend and Weighted Data</a:t>
-            </a:r>
-          </a:p>
-          <a:p>
-            <a:pPr marL="0" indent="0">
-              <a:lnSpc>
-                <a:spcPct val="100000"/>
-              </a:lnSpc>
-              <a:buNone/>
-            </a:pPr>
-            <a:r>
-              <a:rPr lang="en-US" altLang="ja-JP" sz="2000" b="1" dirty="0">
-                <a:solidFill>
-                  <a:schemeClr val="tx2"/>
-                </a:solidFill>
-              </a:rPr>
-              <a:t>17.5 Procedure and Perils for Expanding a Model</a:t>
-            </a:r>
-            <a:endParaRPr lang="en-US" altLang="ja-JP" sz="1600" b="1" dirty="0">
-              <a:solidFill>
-                <a:schemeClr val="tx2"/>
-              </a:solidFill>
-            </a:endParaRPr>
-          </a:p>
-        </p:txBody>
-      </p:sp>
-      <p:sp>
-        <p:nvSpPr>
-          <p:cNvPr id="9" name="コンテンツ プレースホルダー 2">
-            <a:extLst>
-              <a:ext uri="{FF2B5EF4-FFF2-40B4-BE49-F238E27FC236}">
-                <a16:creationId xmlns:a16="http://schemas.microsoft.com/office/drawing/2014/main" id="{A0FB9FE8-FD04-4169-95A8-CFCC9C7C0974}"/>
-              </a:ext>
-            </a:extLst>
-          </p:cNvPr>
-          <p:cNvSpPr txBox="1">
-            <a:spLocks/>
-          </p:cNvSpPr>
-          <p:nvPr/>
-        </p:nvSpPr>
-        <p:spPr>
-          <a:xfrm>
-            <a:off x="399998" y="1230664"/>
-            <a:ext cx="7372402" cy="5627336"/>
-          </a:xfrm>
-          <a:prstGeom prst="rect">
-            <a:avLst/>
-          </a:prstGeom>
-        </p:spPr>
-        <p:txBody>
-          <a:bodyPr vert="horz" lIns="91440" tIns="45720" rIns="91440" bIns="45720" rtlCol="0">
-            <a:normAutofit/>
-          </a:bodyPr>
-          <a:lstStyle>
-            <a:lvl1pPr marL="171450" indent="-171450" algn="l" defTabSz="685800" rtl="0" eaLnBrk="1" latinLnBrk="0" hangingPunct="1">
-              <a:lnSpc>
-                <a:spcPct val="90000"/>
-              </a:lnSpc>
-              <a:spcBef>
-                <a:spcPts val="750"/>
-              </a:spcBef>
-              <a:buFont typeface="Arial" panose="020B0604020202020204" pitchFamily="34" charset="0"/>
-              <a:buChar char="•"/>
-              <a:defRPr kumimoji="1" sz="2100" kern="1200">
-                <a:solidFill>
-                  <a:schemeClr val="tx1"/>
-                </a:solidFill>
-                <a:latin typeface="+mn-lt"/>
-                <a:ea typeface="+mn-ea"/>
-                <a:cs typeface="+mn-cs"/>
-              </a:defRPr>
-            </a:lvl1pPr>
-            <a:lvl2pPr marL="514350" indent="-171450" algn="l" defTabSz="685800" rtl="0" eaLnBrk="1" latinLnBrk="0" hangingPunct="1">
-              <a:lnSpc>
-                <a:spcPct val="90000"/>
-              </a:lnSpc>
-              <a:spcBef>
-                <a:spcPts val="375"/>
-              </a:spcBef>
-              <a:buFont typeface="Arial" panose="020B0604020202020204" pitchFamily="34" charset="0"/>
-              <a:buChar char="•"/>
-              <a:defRPr kumimoji="1" sz="1800" kern="1200">
-                <a:solidFill>
-                  <a:schemeClr val="tx1"/>
-                </a:solidFill>
-                <a:latin typeface="+mn-lt"/>
-                <a:ea typeface="+mn-ea"/>
-                <a:cs typeface="+mn-cs"/>
-              </a:defRPr>
-            </a:lvl2pPr>
-            <a:lvl3pPr marL="857250" indent="-171450" algn="l" defTabSz="685800" rtl="0" eaLnBrk="1" latinLnBrk="0" hangingPunct="1">
-              <a:lnSpc>
-                <a:spcPct val="90000"/>
-              </a:lnSpc>
-              <a:spcBef>
-                <a:spcPts val="375"/>
-              </a:spcBef>
-              <a:buFont typeface="Arial" panose="020B0604020202020204" pitchFamily="34" charset="0"/>
-              <a:buChar char="•"/>
-              <a:defRPr kumimoji="1" sz="1500" kern="1200">
-                <a:solidFill>
-                  <a:schemeClr val="tx1"/>
-                </a:solidFill>
-                <a:latin typeface="+mn-lt"/>
-                <a:ea typeface="+mn-ea"/>
-                <a:cs typeface="+mn-cs"/>
-              </a:defRPr>
-            </a:lvl3pPr>
-            <a:lvl4pPr marL="1200150" indent="-171450" algn="l" defTabSz="685800" rtl="0" eaLnBrk="1" latinLnBrk="0" hangingPunct="1">
-              <a:lnSpc>
-                <a:spcPct val="90000"/>
-              </a:lnSpc>
-              <a:spcBef>
-                <a:spcPts val="375"/>
-              </a:spcBef>
-              <a:buFont typeface="Arial" panose="020B0604020202020204" pitchFamily="34" charset="0"/>
-              <a:buChar char="•"/>
-              <a:defRPr kumimoji="1" sz="1350" kern="1200">
-                <a:solidFill>
-                  <a:schemeClr val="tx1"/>
-                </a:solidFill>
-                <a:latin typeface="+mn-lt"/>
-                <a:ea typeface="+mn-ea"/>
-                <a:cs typeface="+mn-cs"/>
-              </a:defRPr>
-            </a:lvl4pPr>
-            <a:lvl5pPr marL="1543050" indent="-171450" algn="l" defTabSz="685800" rtl="0" eaLnBrk="1" latinLnBrk="0" hangingPunct="1">
-              <a:lnSpc>
-                <a:spcPct val="90000"/>
-              </a:lnSpc>
-              <a:spcBef>
-                <a:spcPts val="375"/>
-              </a:spcBef>
-              <a:buFont typeface="Arial" panose="020B0604020202020204" pitchFamily="34" charset="0"/>
-              <a:buChar char="•"/>
-              <a:defRPr kumimoji="1" sz="1350" kern="1200">
-                <a:solidFill>
-                  <a:schemeClr val="tx1"/>
-                </a:solidFill>
-                <a:latin typeface="+mn-lt"/>
-                <a:ea typeface="+mn-ea"/>
-                <a:cs typeface="+mn-cs"/>
-              </a:defRPr>
-            </a:lvl5pPr>
-            <a:lvl6pPr marL="1885950" indent="-171450" algn="l" defTabSz="685800" rtl="0" eaLnBrk="1" latinLnBrk="0" hangingPunct="1">
-              <a:lnSpc>
-                <a:spcPct val="90000"/>
-              </a:lnSpc>
-              <a:spcBef>
-                <a:spcPts val="375"/>
-              </a:spcBef>
-              <a:buFont typeface="Arial" panose="020B0604020202020204" pitchFamily="34" charset="0"/>
-              <a:buChar char="•"/>
-              <a:defRPr kumimoji="1" sz="1350" kern="1200">
-                <a:solidFill>
-                  <a:schemeClr val="tx1"/>
-                </a:solidFill>
-                <a:latin typeface="+mn-lt"/>
-                <a:ea typeface="+mn-ea"/>
-                <a:cs typeface="+mn-cs"/>
-              </a:defRPr>
-            </a:lvl6pPr>
-            <a:lvl7pPr marL="2228850" indent="-171450" algn="l" defTabSz="685800" rtl="0" eaLnBrk="1" latinLnBrk="0" hangingPunct="1">
-              <a:lnSpc>
-                <a:spcPct val="90000"/>
-              </a:lnSpc>
-              <a:spcBef>
-                <a:spcPts val="375"/>
-              </a:spcBef>
-              <a:buFont typeface="Arial" panose="020B0604020202020204" pitchFamily="34" charset="0"/>
-              <a:buChar char="•"/>
-              <a:defRPr kumimoji="1" sz="1350" kern="1200">
-                <a:solidFill>
-                  <a:schemeClr val="tx1"/>
-                </a:solidFill>
-                <a:latin typeface="+mn-lt"/>
-                <a:ea typeface="+mn-ea"/>
-                <a:cs typeface="+mn-cs"/>
-              </a:defRPr>
-            </a:lvl7pPr>
-            <a:lvl8pPr marL="2571750" indent="-171450" algn="l" defTabSz="685800" rtl="0" eaLnBrk="1" latinLnBrk="0" hangingPunct="1">
-              <a:lnSpc>
-                <a:spcPct val="90000"/>
-              </a:lnSpc>
-              <a:spcBef>
-                <a:spcPts val="375"/>
-              </a:spcBef>
-              <a:buFont typeface="Arial" panose="020B0604020202020204" pitchFamily="34" charset="0"/>
-              <a:buChar char="•"/>
-              <a:defRPr kumimoji="1" sz="1350" kern="1200">
-                <a:solidFill>
-                  <a:schemeClr val="tx1"/>
-                </a:solidFill>
-                <a:latin typeface="+mn-lt"/>
-                <a:ea typeface="+mn-ea"/>
-                <a:cs typeface="+mn-cs"/>
-              </a:defRPr>
-            </a:lvl8pPr>
-            <a:lvl9pPr marL="2914650" indent="-171450" algn="l" defTabSz="685800" rtl="0" eaLnBrk="1" latinLnBrk="0" hangingPunct="1">
-              <a:lnSpc>
-                <a:spcPct val="90000"/>
-              </a:lnSpc>
-              <a:spcBef>
-                <a:spcPts val="375"/>
-              </a:spcBef>
-              <a:buFont typeface="Arial" panose="020B0604020202020204" pitchFamily="34" charset="0"/>
-              <a:buChar char="•"/>
-              <a:defRPr kumimoji="1" sz="1350" kern="1200">
-                <a:solidFill>
-                  <a:schemeClr val="tx1"/>
-                </a:solidFill>
-                <a:latin typeface="+mn-lt"/>
-                <a:ea typeface="+mn-ea"/>
-                <a:cs typeface="+mn-cs"/>
-              </a:defRPr>
-            </a:lvl9pPr>
-          </a:lstStyle>
-          <a:p>
-            <a:pPr marL="0" indent="0" algn="r">
-              <a:buFont typeface="Arial" panose="020B0604020202020204" pitchFamily="34" charset="0"/>
-              <a:buNone/>
-            </a:pPr>
-            <a:endParaRPr lang="en-US" altLang="ja-JP" sz="2000" b="1" dirty="0">
-              <a:latin typeface="Meiryo UI" panose="020B0604030504040204" pitchFamily="50" charset="-128"/>
-              <a:ea typeface="Meiryo UI" panose="020B0604030504040204" pitchFamily="50" charset="-128"/>
-            </a:endParaRPr>
-          </a:p>
-          <a:p>
-            <a:pPr marL="0" indent="0" algn="r">
-              <a:buFont typeface="Arial" panose="020B0604020202020204" pitchFamily="34" charset="0"/>
-              <a:buNone/>
-            </a:pPr>
-            <a:endParaRPr lang="en-US" altLang="ja-JP" sz="2000" dirty="0">
-              <a:solidFill>
-                <a:schemeClr val="tx2"/>
-              </a:solidFill>
-              <a:latin typeface="Meiryo UI" panose="020B0604030504040204" pitchFamily="50" charset="-128"/>
-              <a:ea typeface="Meiryo UI" panose="020B0604030504040204" pitchFamily="50" charset="-128"/>
-            </a:endParaRPr>
-          </a:p>
-        </p:txBody>
-      </p:sp>
-      <p:sp>
-        <p:nvSpPr>
-          <p:cNvPr id="7" name="コンテンツ プレースホルダー 2">
-            <a:extLst>
-              <a:ext uri="{FF2B5EF4-FFF2-40B4-BE49-F238E27FC236}">
-                <a16:creationId xmlns:a16="http://schemas.microsoft.com/office/drawing/2014/main" id="{7385382A-BA08-4CC3-966B-F55E1C4C7EE5}"/>
-              </a:ext>
-            </a:extLst>
-          </p:cNvPr>
-          <p:cNvSpPr txBox="1">
-            <a:spLocks/>
-          </p:cNvSpPr>
-          <p:nvPr/>
-        </p:nvSpPr>
-        <p:spPr>
-          <a:xfrm>
-            <a:off x="7247411" y="1230664"/>
-            <a:ext cx="857663" cy="5627336"/>
-          </a:xfrm>
-          <a:prstGeom prst="rect">
-            <a:avLst/>
-          </a:prstGeom>
-        </p:spPr>
-        <p:txBody>
-          <a:bodyPr vert="horz" lIns="91440" tIns="45720" rIns="91440" bIns="45720" rtlCol="0">
-            <a:normAutofit/>
-          </a:bodyPr>
-          <a:lstStyle>
-            <a:lvl1pPr marL="342900" indent="-342900" algn="l" defTabSz="685800" rtl="0" eaLnBrk="1" latinLnBrk="0" hangingPunct="1">
-              <a:lnSpc>
-                <a:spcPct val="90000"/>
-              </a:lnSpc>
-              <a:spcBef>
-                <a:spcPts val="750"/>
-              </a:spcBef>
-              <a:buFont typeface="Wingdings" panose="05000000000000000000" pitchFamily="2" charset="2"/>
-              <a:buChar char="ü"/>
-              <a:defRPr kumimoji="1" sz="2100" kern="1200">
-                <a:solidFill>
-                  <a:schemeClr val="tx1"/>
-                </a:solidFill>
-                <a:latin typeface="+mn-lt"/>
-                <a:ea typeface="+mn-ea"/>
-                <a:cs typeface="+mn-cs"/>
-              </a:defRPr>
-            </a:lvl1pPr>
-            <a:lvl2pPr marL="628650" indent="-285750" algn="l" defTabSz="685800" rtl="0" eaLnBrk="1" latinLnBrk="0" hangingPunct="1">
-              <a:lnSpc>
-                <a:spcPct val="90000"/>
-              </a:lnSpc>
-              <a:spcBef>
-                <a:spcPts val="375"/>
-              </a:spcBef>
-              <a:buFont typeface="Wingdings" panose="05000000000000000000" pitchFamily="2" charset="2"/>
-              <a:buChar char="ü"/>
-              <a:defRPr kumimoji="1" sz="1800" kern="1200">
-                <a:solidFill>
-                  <a:schemeClr val="tx1"/>
-                </a:solidFill>
-                <a:latin typeface="+mn-lt"/>
-                <a:ea typeface="+mn-ea"/>
-                <a:cs typeface="+mn-cs"/>
-              </a:defRPr>
-            </a:lvl2pPr>
-            <a:lvl3pPr marL="857250" indent="-171450" algn="l" defTabSz="685800" rtl="0" eaLnBrk="1" latinLnBrk="0" hangingPunct="1">
-              <a:lnSpc>
-                <a:spcPct val="90000"/>
-              </a:lnSpc>
-              <a:spcBef>
-                <a:spcPts val="375"/>
-              </a:spcBef>
-              <a:buFont typeface="Arial" panose="020B0604020202020204" pitchFamily="34" charset="0"/>
-              <a:buChar char="•"/>
-              <a:defRPr kumimoji="1" sz="1500" kern="1200">
-                <a:solidFill>
-                  <a:schemeClr val="tx1"/>
-                </a:solidFill>
-                <a:latin typeface="+mn-lt"/>
-                <a:ea typeface="+mn-ea"/>
-                <a:cs typeface="+mn-cs"/>
-              </a:defRPr>
-            </a:lvl3pPr>
-            <a:lvl4pPr marL="1200150" indent="-171450" algn="l" defTabSz="685800" rtl="0" eaLnBrk="1" latinLnBrk="0" hangingPunct="1">
-              <a:lnSpc>
-                <a:spcPct val="90000"/>
-              </a:lnSpc>
-              <a:spcBef>
-                <a:spcPts val="375"/>
-              </a:spcBef>
-              <a:buFont typeface="Arial" panose="020B0604020202020204" pitchFamily="34" charset="0"/>
-              <a:buChar char="•"/>
-              <a:defRPr kumimoji="1" sz="1350" kern="1200">
-                <a:solidFill>
-                  <a:schemeClr val="tx1"/>
-                </a:solidFill>
-                <a:latin typeface="+mn-lt"/>
-                <a:ea typeface="+mn-ea"/>
-                <a:cs typeface="+mn-cs"/>
-              </a:defRPr>
-            </a:lvl4pPr>
-            <a:lvl5pPr marL="1543050" indent="-171450" algn="l" defTabSz="685800" rtl="0" eaLnBrk="1" latinLnBrk="0" hangingPunct="1">
-              <a:lnSpc>
-                <a:spcPct val="90000"/>
-              </a:lnSpc>
-              <a:spcBef>
-                <a:spcPts val="375"/>
-              </a:spcBef>
-              <a:buFont typeface="Arial" panose="020B0604020202020204" pitchFamily="34" charset="0"/>
-              <a:buChar char="•"/>
-              <a:defRPr kumimoji="1" sz="1350" kern="1200">
-                <a:solidFill>
-                  <a:schemeClr val="tx1"/>
-                </a:solidFill>
-                <a:latin typeface="+mn-lt"/>
-                <a:ea typeface="+mn-ea"/>
-                <a:cs typeface="+mn-cs"/>
-              </a:defRPr>
-            </a:lvl5pPr>
-            <a:lvl6pPr marL="1885950" indent="-171450" algn="l" defTabSz="685800" rtl="0" eaLnBrk="1" latinLnBrk="0" hangingPunct="1">
-              <a:lnSpc>
-                <a:spcPct val="90000"/>
-              </a:lnSpc>
-              <a:spcBef>
-                <a:spcPts val="375"/>
-              </a:spcBef>
-              <a:buFont typeface="Arial" panose="020B0604020202020204" pitchFamily="34" charset="0"/>
-              <a:buChar char="•"/>
-              <a:defRPr kumimoji="1" sz="1350" kern="1200">
-                <a:solidFill>
-                  <a:schemeClr val="tx1"/>
-                </a:solidFill>
-                <a:latin typeface="+mn-lt"/>
-                <a:ea typeface="+mn-ea"/>
-                <a:cs typeface="+mn-cs"/>
-              </a:defRPr>
-            </a:lvl6pPr>
-            <a:lvl7pPr marL="2228850" indent="-171450" algn="l" defTabSz="685800" rtl="0" eaLnBrk="1" latinLnBrk="0" hangingPunct="1">
-              <a:lnSpc>
-                <a:spcPct val="90000"/>
-              </a:lnSpc>
-              <a:spcBef>
-                <a:spcPts val="375"/>
-              </a:spcBef>
-              <a:buFont typeface="Arial" panose="020B0604020202020204" pitchFamily="34" charset="0"/>
-              <a:buChar char="•"/>
-              <a:defRPr kumimoji="1" sz="1350" kern="1200">
-                <a:solidFill>
-                  <a:schemeClr val="tx1"/>
-                </a:solidFill>
-                <a:latin typeface="+mn-lt"/>
-                <a:ea typeface="+mn-ea"/>
-                <a:cs typeface="+mn-cs"/>
-              </a:defRPr>
-            </a:lvl7pPr>
-            <a:lvl8pPr marL="2571750" indent="-171450" algn="l" defTabSz="685800" rtl="0" eaLnBrk="1" latinLnBrk="0" hangingPunct="1">
-              <a:lnSpc>
-                <a:spcPct val="90000"/>
-              </a:lnSpc>
-              <a:spcBef>
-                <a:spcPts val="375"/>
-              </a:spcBef>
-              <a:buFont typeface="Arial" panose="020B0604020202020204" pitchFamily="34" charset="0"/>
-              <a:buChar char="•"/>
-              <a:defRPr kumimoji="1" sz="1350" kern="1200">
-                <a:solidFill>
-                  <a:schemeClr val="tx1"/>
-                </a:solidFill>
-                <a:latin typeface="+mn-lt"/>
-                <a:ea typeface="+mn-ea"/>
-                <a:cs typeface="+mn-cs"/>
-              </a:defRPr>
-            </a:lvl8pPr>
-            <a:lvl9pPr marL="2914650" indent="-171450" algn="l" defTabSz="685800" rtl="0" eaLnBrk="1" latinLnBrk="0" hangingPunct="1">
-              <a:lnSpc>
-                <a:spcPct val="90000"/>
-              </a:lnSpc>
-              <a:spcBef>
-                <a:spcPts val="375"/>
-              </a:spcBef>
-              <a:buFont typeface="Arial" panose="020B0604020202020204" pitchFamily="34" charset="0"/>
-              <a:buChar char="•"/>
-              <a:defRPr kumimoji="1" sz="1350" kern="1200">
-                <a:solidFill>
-                  <a:schemeClr val="tx1"/>
-                </a:solidFill>
-                <a:latin typeface="+mn-lt"/>
-                <a:ea typeface="+mn-ea"/>
-                <a:cs typeface="+mn-cs"/>
-              </a:defRPr>
-            </a:lvl9pPr>
-          </a:lstStyle>
-          <a:p>
-            <a:pPr marL="0" indent="0" algn="r">
-              <a:lnSpc>
-                <a:spcPct val="100000"/>
-              </a:lnSpc>
-              <a:buFont typeface="Wingdings" panose="05000000000000000000" pitchFamily="2" charset="2"/>
-              <a:buNone/>
-            </a:pPr>
-            <a:r>
-              <a:rPr lang="en-US" altLang="ja-JP" sz="2000" b="1" dirty="0">
-                <a:solidFill>
-                  <a:schemeClr val="tx2"/>
-                </a:solidFill>
-              </a:rPr>
-              <a:t>1</a:t>
-            </a:r>
-          </a:p>
-          <a:p>
-            <a:pPr marL="0" indent="0" algn="r">
-              <a:lnSpc>
-                <a:spcPct val="100000"/>
-              </a:lnSpc>
-              <a:buFont typeface="Wingdings" panose="05000000000000000000" pitchFamily="2" charset="2"/>
-              <a:buNone/>
-            </a:pPr>
-            <a:r>
-              <a:rPr lang="en-US" altLang="ja-JP" sz="2000" b="1" dirty="0">
-                <a:solidFill>
-                  <a:schemeClr val="tx2"/>
-                </a:solidFill>
-              </a:rPr>
-              <a:t>2-3</a:t>
-            </a:r>
-          </a:p>
-          <a:p>
-            <a:pPr marL="0" indent="0" algn="r">
-              <a:lnSpc>
-                <a:spcPct val="100000"/>
-              </a:lnSpc>
-              <a:buFont typeface="Wingdings" panose="05000000000000000000" pitchFamily="2" charset="2"/>
-              <a:buNone/>
-            </a:pPr>
-            <a:r>
-              <a:rPr lang="en-US" altLang="ja-JP" sz="2000" b="1" dirty="0">
-                <a:solidFill>
-                  <a:schemeClr val="tx2"/>
-                </a:solidFill>
-              </a:rPr>
-              <a:t>4-9</a:t>
-            </a:r>
-          </a:p>
-          <a:p>
-            <a:pPr marL="0" indent="0" algn="r">
-              <a:lnSpc>
-                <a:spcPct val="100000"/>
-              </a:lnSpc>
-              <a:buFont typeface="Wingdings" panose="05000000000000000000" pitchFamily="2" charset="2"/>
-              <a:buNone/>
-            </a:pPr>
-            <a:r>
-              <a:rPr lang="en-US" altLang="ja-JP" sz="2000" b="1" dirty="0">
-                <a:solidFill>
-                  <a:schemeClr val="tx2"/>
-                </a:solidFill>
-              </a:rPr>
-              <a:t>10-12</a:t>
-            </a:r>
-          </a:p>
-          <a:p>
-            <a:pPr marL="0" indent="0" algn="r">
-              <a:lnSpc>
-                <a:spcPct val="100000"/>
-              </a:lnSpc>
-              <a:buFont typeface="Wingdings" panose="05000000000000000000" pitchFamily="2" charset="2"/>
-              <a:buNone/>
-            </a:pPr>
-            <a:r>
-              <a:rPr lang="en-US" altLang="ja-JP" sz="2000" b="1" dirty="0">
-                <a:solidFill>
-                  <a:schemeClr val="tx2"/>
-                </a:solidFill>
-              </a:rPr>
-              <a:t>13-16</a:t>
-            </a:r>
-          </a:p>
-          <a:p>
-            <a:pPr marL="0" indent="0" algn="r">
-              <a:lnSpc>
-                <a:spcPct val="100000"/>
-              </a:lnSpc>
-              <a:buFont typeface="Wingdings" panose="05000000000000000000" pitchFamily="2" charset="2"/>
-              <a:buNone/>
-            </a:pPr>
-            <a:r>
-              <a:rPr lang="en-US" altLang="ja-JP" sz="2000" b="1" dirty="0">
-                <a:solidFill>
-                  <a:schemeClr val="tx2"/>
-                </a:solidFill>
-              </a:rPr>
-              <a:t>17-19</a:t>
-            </a:r>
-          </a:p>
-          <a:p>
-            <a:pPr marL="0" indent="0" algn="r">
-              <a:lnSpc>
-                <a:spcPct val="100000"/>
-              </a:lnSpc>
-              <a:buFont typeface="Wingdings" panose="05000000000000000000" pitchFamily="2" charset="2"/>
-              <a:buNone/>
-            </a:pPr>
-            <a:r>
-              <a:rPr lang="en-US" altLang="ja-JP" sz="2000" b="1" dirty="0">
-                <a:solidFill>
-                  <a:schemeClr val="tx2"/>
-                </a:solidFill>
-              </a:rPr>
-              <a:t>    </a:t>
-            </a:r>
-          </a:p>
-        </p:txBody>
-      </p:sp>
-    </p:spTree>
-    <p:extLst>
-      <p:ext uri="{BB962C8B-B14F-4D97-AF65-F5344CB8AC3E}">
-        <p14:creationId xmlns:p14="http://schemas.microsoft.com/office/powerpoint/2010/main" val="3050343909"/>
       </p:ext>
     </p:extLst>
   </p:cSld>
